--- a/20230811 EAD p0NFH Update.pptx
+++ b/20230811 EAD p0NFH Update.pptx
@@ -3435,7 +3435,7 @@
         </p:blipFill>
         <p:spPr bwMode="auto">
           <a:xfrm>
-            <a:off x="3343805" y="1781590"/>
+            <a:off x="3343805" y="1734401"/>
             <a:ext cx="5538258" cy="1338219"/>
           </a:xfrm>
           <a:prstGeom prst="rect">
@@ -3453,6 +3453,85 @@
           </a:extLst>
         </p:spPr>
       </p:pic>
+      <p:cxnSp>
+        <p:nvCxnSpPr>
+          <p:cNvPr id="8" name="Straight Arrow Connector 7">
+            <a:extLst>
+              <a:ext uri="{FF2B5EF4-FFF2-40B4-BE49-F238E27FC236}">
+                <a16:creationId xmlns:a16="http://schemas.microsoft.com/office/drawing/2014/main" id="{7EB14E1E-C0EB-B9FA-6546-E17AF469297C}"/>
+              </a:ext>
+            </a:extLst>
+          </p:cNvPr>
+          <p:cNvCxnSpPr>
+            <a:cxnSpLocks/>
+          </p:cNvCxnSpPr>
+          <p:nvPr/>
+        </p:nvCxnSpPr>
+        <p:spPr>
+          <a:xfrm flipH="1">
+            <a:off x="8882063" y="3190875"/>
+            <a:ext cx="381528" cy="361950"/>
+          </a:xfrm>
+          <a:prstGeom prst="straightConnector1">
+            <a:avLst/>
+          </a:prstGeom>
+          <a:ln w="19050">
+            <a:solidFill>
+              <a:schemeClr val="tx1"/>
+            </a:solidFill>
+            <a:tailEnd type="triangle"/>
+          </a:ln>
+        </p:spPr>
+        <p:style>
+          <a:lnRef idx="1">
+            <a:schemeClr val="accent1"/>
+          </a:lnRef>
+          <a:fillRef idx="0">
+            <a:schemeClr val="accent1"/>
+          </a:fillRef>
+          <a:effectRef idx="0">
+            <a:schemeClr val="accent1"/>
+          </a:effectRef>
+          <a:fontRef idx="minor">
+            <a:schemeClr val="tx1"/>
+          </a:fontRef>
+        </p:style>
+      </p:cxnSp>
+      <p:sp>
+        <p:nvSpPr>
+          <p:cNvPr id="11" name="TextBox 10">
+            <a:extLst>
+              <a:ext uri="{FF2B5EF4-FFF2-40B4-BE49-F238E27FC236}">
+                <a16:creationId xmlns:a16="http://schemas.microsoft.com/office/drawing/2014/main" id="{457FA3B7-30C4-BAD9-2CB2-A1E2A620B5A5}"/>
+              </a:ext>
+            </a:extLst>
+          </p:cNvPr>
+          <p:cNvSpPr txBox="1"/>
+          <p:nvPr/>
+        </p:nvSpPr>
+        <p:spPr>
+          <a:xfrm>
+            <a:off x="9263591" y="2954366"/>
+            <a:ext cx="2185459" cy="369332"/>
+          </a:xfrm>
+          <a:prstGeom prst="rect">
+            <a:avLst/>
+          </a:prstGeom>
+          <a:noFill/>
+        </p:spPr>
+        <p:txBody>
+          <a:bodyPr wrap="square" rtlCol="0">
+            <a:spAutoFit/>
+          </a:bodyPr>
+          <a:lstStyle/>
+          <a:p>
+            <a:r>
+              <a:rPr lang="en-US" dirty="0"/>
+              <a:t>Ionic Strength (mM)</a:t>
+            </a:r>
+          </a:p>
+        </p:txBody>
+      </p:sp>
     </p:spTree>
     <p:extLst>
       <p:ext uri="{BB962C8B-B14F-4D97-AF65-F5344CB8AC3E}">

--- a/20230811 EAD p0NFH Update.pptx
+++ b/20230811 EAD p0NFH Update.pptx
@@ -4286,7 +4286,7 @@
         </p:nvSpPr>
         <p:spPr>
           <a:xfrm>
-            <a:off x="6896100" y="2905125"/>
+            <a:off x="6924675" y="3000375"/>
             <a:ext cx="4424363" cy="646331"/>
           </a:xfrm>
           <a:prstGeom prst="rect">

--- a/20230811 EAD p0NFH Update.pptx
+++ b/20230811 EAD p0NFH Update.pptx
@@ -4160,7 +4160,7 @@
         </p:nvGrpSpPr>
         <p:grpSpPr>
           <a:xfrm>
-            <a:off x="1938337" y="1772807"/>
+            <a:off x="1090612" y="1772807"/>
             <a:ext cx="4424363" cy="3937432"/>
             <a:chOff x="3729037" y="2158361"/>
             <a:chExt cx="4119563" cy="3666177"/>
@@ -4286,8 +4286,8 @@
         </p:nvSpPr>
         <p:spPr>
           <a:xfrm>
-            <a:off x="6924675" y="3000375"/>
-            <a:ext cx="4424363" cy="646331"/>
+            <a:off x="6910387" y="2905125"/>
+            <a:ext cx="4562475" cy="1200329"/>
           </a:xfrm>
           <a:prstGeom prst="rect">
             <a:avLst/>
@@ -4303,6 +4303,15 @@
             <a:r>
               <a:rPr lang="en-US" dirty="0"/>
               <a:t>Note: b and v values still being tuned (but is consistent between results in this figure)</a:t>
+            </a:r>
+          </a:p>
+          <a:p>
+            <a:endParaRPr lang="en-US" dirty="0"/>
+          </a:p>
+          <a:p>
+            <a:r>
+              <a:rPr lang="en-US" dirty="0"/>
+              <a:t>Will update again with better original fit b/v’s</a:t>
             </a:r>
           </a:p>
         </p:txBody>
